--- a/Lecture notes(me)/Chapter 3/draw.pptx
+++ b/Lecture notes(me)/Chapter 3/draw.pptx
@@ -2,12 +2,12 @@
 <file path=ppt/presentation.xml><?xml version="1.0" encoding="utf-8"?>
 <p:presentation xmlns:a="http://schemas.openxmlformats.org/drawingml/2006/main" xmlns:r="http://schemas.openxmlformats.org/officeDocument/2006/relationships" xmlns:p="http://schemas.openxmlformats.org/presentationml/2006/main" saveSubsetFonts="1" autoCompressPictures="0">
   <p:sldMasterIdLst>
-    <p:sldMasterId id="2147483660" r:id="rId1"/>
+    <p:sldMasterId id="2147483672" r:id="rId1"/>
   </p:sldMasterIdLst>
   <p:sldIdLst>
     <p:sldId id="256" r:id="rId2"/>
   </p:sldIdLst>
-  <p:sldSz cx="9144000" cy="6858000" type="screen4x3"/>
+  <p:sldSz cx="12192000" cy="6858000"/>
   <p:notesSz cx="6858000" cy="9144000"/>
   <p:defaultTextStyle>
     <a:defPPr>
@@ -104,6 +104,11 @@
       </a:defRPr>
     </a:lvl9pPr>
   </p:defaultTextStyle>
+  <p:extLst>
+    <p:ext uri="{EFAFB233-063F-42B5-8137-9DF3F51BA10A}">
+      <p15:sldGuideLst xmlns:p15="http://schemas.microsoft.com/office/powerpoint/2012/main"/>
+    </p:ext>
+  </p:extLst>
 </p:presentation>
 </file>
 
@@ -136,8 +141,8 @@
         </p:nvSpPr>
         <p:spPr>
           <a:xfrm>
-            <a:off x="685800" y="1122363"/>
-            <a:ext cx="7772400" cy="2387600"/>
+            <a:off x="1524000" y="1122363"/>
+            <a:ext cx="9144000" cy="2387600"/>
           </a:xfrm>
         </p:spPr>
         <p:txBody>
@@ -168,8 +173,8 @@
         </p:nvSpPr>
         <p:spPr>
           <a:xfrm>
-            <a:off x="1143000" y="3602038"/>
-            <a:ext cx="6858000" cy="1655762"/>
+            <a:off x="1524000" y="3602038"/>
+            <a:ext cx="9144000" cy="1655762"/>
           </a:xfrm>
         </p:spPr>
         <p:txBody>
@@ -238,7 +243,7 @@
           <a:p>
             <a:fld id="{C9B133F5-F4E8-D144-B330-D5C3F0F8F85E}" type="datetimeFigureOut">
               <a:rPr kumimoji="1" lang="zh-CN" altLang="en-US" smtClean="0"/>
-              <a:t>2019/6/4</a:t>
+              <a:t>2019/6/9</a:t>
             </a:fld>
             <a:endParaRPr kumimoji="1" lang="zh-CN" altLang="en-US"/>
           </a:p>
@@ -289,7 +294,7 @@
     </p:spTree>
     <p:extLst>
       <p:ext uri="{BB962C8B-B14F-4D97-AF65-F5344CB8AC3E}">
-        <p14:creationId xmlns:p14="http://schemas.microsoft.com/office/powerpoint/2010/main" val="2558212632"/>
+        <p14:creationId xmlns:p14="http://schemas.microsoft.com/office/powerpoint/2010/main" val="3385545147"/>
       </p:ext>
     </p:extLst>
   </p:cSld>
@@ -408,7 +413,7 @@
           <a:p>
             <a:fld id="{C9B133F5-F4E8-D144-B330-D5C3F0F8F85E}" type="datetimeFigureOut">
               <a:rPr kumimoji="1" lang="zh-CN" altLang="en-US" smtClean="0"/>
-              <a:t>2019/6/4</a:t>
+              <a:t>2019/6/9</a:t>
             </a:fld>
             <a:endParaRPr kumimoji="1" lang="zh-CN" altLang="en-US"/>
           </a:p>
@@ -459,7 +464,7 @@
     </p:spTree>
     <p:extLst>
       <p:ext uri="{BB962C8B-B14F-4D97-AF65-F5344CB8AC3E}">
-        <p14:creationId xmlns:p14="http://schemas.microsoft.com/office/powerpoint/2010/main" val="1287280694"/>
+        <p14:creationId xmlns:p14="http://schemas.microsoft.com/office/powerpoint/2010/main" val="109491731"/>
       </p:ext>
     </p:extLst>
   </p:cSld>
@@ -498,8 +503,8 @@
         </p:nvSpPr>
         <p:spPr>
           <a:xfrm>
-            <a:off x="6543675" y="365125"/>
-            <a:ext cx="1971675" cy="5811838"/>
+            <a:off x="8724900" y="365125"/>
+            <a:ext cx="2628900" cy="5811838"/>
           </a:xfrm>
         </p:spPr>
         <p:txBody>
@@ -526,8 +531,8 @@
         </p:nvSpPr>
         <p:spPr>
           <a:xfrm>
-            <a:off x="628650" y="365125"/>
-            <a:ext cx="5800725" cy="5811838"/>
+            <a:off x="838200" y="365125"/>
+            <a:ext cx="7734300" cy="5811838"/>
           </a:xfrm>
         </p:spPr>
         <p:txBody>
@@ -588,7 +593,7 @@
           <a:p>
             <a:fld id="{C9B133F5-F4E8-D144-B330-D5C3F0F8F85E}" type="datetimeFigureOut">
               <a:rPr kumimoji="1" lang="zh-CN" altLang="en-US" smtClean="0"/>
-              <a:t>2019/6/4</a:t>
+              <a:t>2019/6/9</a:t>
             </a:fld>
             <a:endParaRPr kumimoji="1" lang="zh-CN" altLang="en-US"/>
           </a:p>
@@ -639,7 +644,7 @@
     </p:spTree>
     <p:extLst>
       <p:ext uri="{BB962C8B-B14F-4D97-AF65-F5344CB8AC3E}">
-        <p14:creationId xmlns:p14="http://schemas.microsoft.com/office/powerpoint/2010/main" val="2855989801"/>
+        <p14:creationId xmlns:p14="http://schemas.microsoft.com/office/powerpoint/2010/main" val="4119650847"/>
       </p:ext>
     </p:extLst>
   </p:cSld>
@@ -758,7 +763,7 @@
           <a:p>
             <a:fld id="{C9B133F5-F4E8-D144-B330-D5C3F0F8F85E}" type="datetimeFigureOut">
               <a:rPr kumimoji="1" lang="zh-CN" altLang="en-US" smtClean="0"/>
-              <a:t>2019/6/4</a:t>
+              <a:t>2019/6/9</a:t>
             </a:fld>
             <a:endParaRPr kumimoji="1" lang="zh-CN" altLang="en-US"/>
           </a:p>
@@ -809,7 +814,7 @@
     </p:spTree>
     <p:extLst>
       <p:ext uri="{BB962C8B-B14F-4D97-AF65-F5344CB8AC3E}">
-        <p14:creationId xmlns:p14="http://schemas.microsoft.com/office/powerpoint/2010/main" val="4003488880"/>
+        <p14:creationId xmlns:p14="http://schemas.microsoft.com/office/powerpoint/2010/main" val="2775263152"/>
       </p:ext>
     </p:extLst>
   </p:cSld>
@@ -848,8 +853,8 @@
         </p:nvSpPr>
         <p:spPr>
           <a:xfrm>
-            <a:off x="623888" y="1709739"/>
-            <a:ext cx="7886700" cy="2852737"/>
+            <a:off x="831850" y="1709738"/>
+            <a:ext cx="10515600" cy="2852737"/>
           </a:xfrm>
         </p:spPr>
         <p:txBody>
@@ -880,8 +885,8 @@
         </p:nvSpPr>
         <p:spPr>
           <a:xfrm>
-            <a:off x="623888" y="4589464"/>
-            <a:ext cx="7886700" cy="1500187"/>
+            <a:off x="831850" y="4589463"/>
+            <a:ext cx="10515600" cy="1500187"/>
           </a:xfrm>
         </p:spPr>
         <p:txBody>
@@ -891,7 +896,9 @@
               <a:buNone/>
               <a:defRPr sz="2400">
                 <a:solidFill>
-                  <a:schemeClr val="tx1"/>
+                  <a:schemeClr val="tx1">
+                    <a:tint val="75000"/>
+                  </a:schemeClr>
                 </a:solidFill>
               </a:defRPr>
             </a:lvl1pPr>
@@ -1002,7 +1009,7 @@
           <a:p>
             <a:fld id="{C9B133F5-F4E8-D144-B330-D5C3F0F8F85E}" type="datetimeFigureOut">
               <a:rPr kumimoji="1" lang="zh-CN" altLang="en-US" smtClean="0"/>
-              <a:t>2019/6/4</a:t>
+              <a:t>2019/6/9</a:t>
             </a:fld>
             <a:endParaRPr kumimoji="1" lang="zh-CN" altLang="en-US"/>
           </a:p>
@@ -1053,7 +1060,7 @@
     </p:spTree>
     <p:extLst>
       <p:ext uri="{BB962C8B-B14F-4D97-AF65-F5344CB8AC3E}">
-        <p14:creationId xmlns:p14="http://schemas.microsoft.com/office/powerpoint/2010/main" val="2425574249"/>
+        <p14:creationId xmlns:p14="http://schemas.microsoft.com/office/powerpoint/2010/main" val="3961888674"/>
       </p:ext>
     </p:extLst>
   </p:cSld>
@@ -1115,8 +1122,8 @@
         </p:nvSpPr>
         <p:spPr>
           <a:xfrm>
-            <a:off x="628650" y="1825625"/>
-            <a:ext cx="3886200" cy="4351338"/>
+            <a:off x="838200" y="1825625"/>
+            <a:ext cx="5181600" cy="4351338"/>
           </a:xfrm>
         </p:spPr>
         <p:txBody>
@@ -1172,8 +1179,8 @@
         </p:nvSpPr>
         <p:spPr>
           <a:xfrm>
-            <a:off x="4629150" y="1825625"/>
-            <a:ext cx="3886200" cy="4351338"/>
+            <a:off x="6172200" y="1825625"/>
+            <a:ext cx="5181600" cy="4351338"/>
           </a:xfrm>
         </p:spPr>
         <p:txBody>
@@ -1234,7 +1241,7 @@
           <a:p>
             <a:fld id="{C9B133F5-F4E8-D144-B330-D5C3F0F8F85E}" type="datetimeFigureOut">
               <a:rPr kumimoji="1" lang="zh-CN" altLang="en-US" smtClean="0"/>
-              <a:t>2019/6/4</a:t>
+              <a:t>2019/6/9</a:t>
             </a:fld>
             <a:endParaRPr kumimoji="1" lang="zh-CN" altLang="en-US"/>
           </a:p>
@@ -1285,7 +1292,7 @@
     </p:spTree>
     <p:extLst>
       <p:ext uri="{BB962C8B-B14F-4D97-AF65-F5344CB8AC3E}">
-        <p14:creationId xmlns:p14="http://schemas.microsoft.com/office/powerpoint/2010/main" val="1888720333"/>
+        <p14:creationId xmlns:p14="http://schemas.microsoft.com/office/powerpoint/2010/main" val="400817023"/>
       </p:ext>
     </p:extLst>
   </p:cSld>
@@ -1324,8 +1331,8 @@
         </p:nvSpPr>
         <p:spPr>
           <a:xfrm>
-            <a:off x="629841" y="365126"/>
-            <a:ext cx="7886700" cy="1325563"/>
+            <a:off x="839788" y="365125"/>
+            <a:ext cx="10515600" cy="1325563"/>
           </a:xfrm>
         </p:spPr>
         <p:txBody>
@@ -1352,8 +1359,8 @@
         </p:nvSpPr>
         <p:spPr>
           <a:xfrm>
-            <a:off x="629842" y="1681163"/>
-            <a:ext cx="3868340" cy="823912"/>
+            <a:off x="839788" y="1681163"/>
+            <a:ext cx="5157787" cy="823912"/>
           </a:xfrm>
         </p:spPr>
         <p:txBody>
@@ -1417,8 +1424,8 @@
         </p:nvSpPr>
         <p:spPr>
           <a:xfrm>
-            <a:off x="629842" y="2505075"/>
-            <a:ext cx="3868340" cy="3684588"/>
+            <a:off x="839788" y="2505075"/>
+            <a:ext cx="5157787" cy="3684588"/>
           </a:xfrm>
         </p:spPr>
         <p:txBody>
@@ -1474,8 +1481,8 @@
         </p:nvSpPr>
         <p:spPr>
           <a:xfrm>
-            <a:off x="4629150" y="1681163"/>
-            <a:ext cx="3887391" cy="823912"/>
+            <a:off x="6172200" y="1681163"/>
+            <a:ext cx="5183188" cy="823912"/>
           </a:xfrm>
         </p:spPr>
         <p:txBody>
@@ -1539,8 +1546,8 @@
         </p:nvSpPr>
         <p:spPr>
           <a:xfrm>
-            <a:off x="4629150" y="2505075"/>
-            <a:ext cx="3887391" cy="3684588"/>
+            <a:off x="6172200" y="2505075"/>
+            <a:ext cx="5183188" cy="3684588"/>
           </a:xfrm>
         </p:spPr>
         <p:txBody>
@@ -1601,7 +1608,7 @@
           <a:p>
             <a:fld id="{C9B133F5-F4E8-D144-B330-D5C3F0F8F85E}" type="datetimeFigureOut">
               <a:rPr kumimoji="1" lang="zh-CN" altLang="en-US" smtClean="0"/>
-              <a:t>2019/6/4</a:t>
+              <a:t>2019/6/9</a:t>
             </a:fld>
             <a:endParaRPr kumimoji="1" lang="zh-CN" altLang="en-US"/>
           </a:p>
@@ -1652,7 +1659,7 @@
     </p:spTree>
     <p:extLst>
       <p:ext uri="{BB962C8B-B14F-4D97-AF65-F5344CB8AC3E}">
-        <p14:creationId xmlns:p14="http://schemas.microsoft.com/office/powerpoint/2010/main" val="4238204033"/>
+        <p14:creationId xmlns:p14="http://schemas.microsoft.com/office/powerpoint/2010/main" val="421935811"/>
       </p:ext>
     </p:extLst>
   </p:cSld>
@@ -1719,7 +1726,7 @@
           <a:p>
             <a:fld id="{C9B133F5-F4E8-D144-B330-D5C3F0F8F85E}" type="datetimeFigureOut">
               <a:rPr kumimoji="1" lang="zh-CN" altLang="en-US" smtClean="0"/>
-              <a:t>2019/6/4</a:t>
+              <a:t>2019/6/9</a:t>
             </a:fld>
             <a:endParaRPr kumimoji="1" lang="zh-CN" altLang="en-US"/>
           </a:p>
@@ -1770,7 +1777,7 @@
     </p:spTree>
     <p:extLst>
       <p:ext uri="{BB962C8B-B14F-4D97-AF65-F5344CB8AC3E}">
-        <p14:creationId xmlns:p14="http://schemas.microsoft.com/office/powerpoint/2010/main" val="2344427287"/>
+        <p14:creationId xmlns:p14="http://schemas.microsoft.com/office/powerpoint/2010/main" val="2313317197"/>
       </p:ext>
     </p:extLst>
   </p:cSld>
@@ -1814,7 +1821,7 @@
           <a:p>
             <a:fld id="{C9B133F5-F4E8-D144-B330-D5C3F0F8F85E}" type="datetimeFigureOut">
               <a:rPr kumimoji="1" lang="zh-CN" altLang="en-US" smtClean="0"/>
-              <a:t>2019/6/4</a:t>
+              <a:t>2019/6/9</a:t>
             </a:fld>
             <a:endParaRPr kumimoji="1" lang="zh-CN" altLang="en-US"/>
           </a:p>
@@ -1865,7 +1872,7 @@
     </p:spTree>
     <p:extLst>
       <p:ext uri="{BB962C8B-B14F-4D97-AF65-F5344CB8AC3E}">
-        <p14:creationId xmlns:p14="http://schemas.microsoft.com/office/powerpoint/2010/main" val="1051972110"/>
+        <p14:creationId xmlns:p14="http://schemas.microsoft.com/office/powerpoint/2010/main" val="1970098633"/>
       </p:ext>
     </p:extLst>
   </p:cSld>
@@ -1904,8 +1911,8 @@
         </p:nvSpPr>
         <p:spPr>
           <a:xfrm>
-            <a:off x="629841" y="457200"/>
-            <a:ext cx="2949178" cy="1600200"/>
+            <a:off x="839788" y="457200"/>
+            <a:ext cx="3932237" cy="1600200"/>
           </a:xfrm>
         </p:spPr>
         <p:txBody>
@@ -1936,8 +1943,8 @@
         </p:nvSpPr>
         <p:spPr>
           <a:xfrm>
-            <a:off x="3887391" y="987426"/>
-            <a:ext cx="4629150" cy="4873625"/>
+            <a:off x="5183188" y="987425"/>
+            <a:ext cx="6172200" cy="4873625"/>
           </a:xfrm>
         </p:spPr>
         <p:txBody>
@@ -2021,8 +2028,8 @@
         </p:nvSpPr>
         <p:spPr>
           <a:xfrm>
-            <a:off x="629841" y="2057400"/>
-            <a:ext cx="2949178" cy="3811588"/>
+            <a:off x="839788" y="2057400"/>
+            <a:ext cx="3932237" cy="3811588"/>
           </a:xfrm>
         </p:spPr>
         <p:txBody>
@@ -2091,7 +2098,7 @@
           <a:p>
             <a:fld id="{C9B133F5-F4E8-D144-B330-D5C3F0F8F85E}" type="datetimeFigureOut">
               <a:rPr kumimoji="1" lang="zh-CN" altLang="en-US" smtClean="0"/>
-              <a:t>2019/6/4</a:t>
+              <a:t>2019/6/9</a:t>
             </a:fld>
             <a:endParaRPr kumimoji="1" lang="zh-CN" altLang="en-US"/>
           </a:p>
@@ -2142,7 +2149,7 @@
     </p:spTree>
     <p:extLst>
       <p:ext uri="{BB962C8B-B14F-4D97-AF65-F5344CB8AC3E}">
-        <p14:creationId xmlns:p14="http://schemas.microsoft.com/office/powerpoint/2010/main" val="2427999576"/>
+        <p14:creationId xmlns:p14="http://schemas.microsoft.com/office/powerpoint/2010/main" val="3936734294"/>
       </p:ext>
     </p:extLst>
   </p:cSld>
@@ -2181,8 +2188,8 @@
         </p:nvSpPr>
         <p:spPr>
           <a:xfrm>
-            <a:off x="629841" y="457200"/>
-            <a:ext cx="2949178" cy="1600200"/>
+            <a:off x="839788" y="457200"/>
+            <a:ext cx="3932237" cy="1600200"/>
           </a:xfrm>
         </p:spPr>
         <p:txBody>
@@ -2213,8 +2220,8 @@
         </p:nvSpPr>
         <p:spPr>
           <a:xfrm>
-            <a:off x="3887391" y="987426"/>
-            <a:ext cx="4629150" cy="4873625"/>
+            <a:off x="5183188" y="987425"/>
+            <a:ext cx="6172200" cy="4873625"/>
           </a:xfrm>
         </p:spPr>
         <p:txBody>
@@ -2278,8 +2285,8 @@
         </p:nvSpPr>
         <p:spPr>
           <a:xfrm>
-            <a:off x="629841" y="2057400"/>
-            <a:ext cx="2949178" cy="3811588"/>
+            <a:off x="839788" y="2057400"/>
+            <a:ext cx="3932237" cy="3811588"/>
           </a:xfrm>
         </p:spPr>
         <p:txBody>
@@ -2348,7 +2355,7 @@
           <a:p>
             <a:fld id="{C9B133F5-F4E8-D144-B330-D5C3F0F8F85E}" type="datetimeFigureOut">
               <a:rPr kumimoji="1" lang="zh-CN" altLang="en-US" smtClean="0"/>
-              <a:t>2019/6/4</a:t>
+              <a:t>2019/6/9</a:t>
             </a:fld>
             <a:endParaRPr kumimoji="1" lang="zh-CN" altLang="en-US"/>
           </a:p>
@@ -2399,7 +2406,7 @@
     </p:spTree>
     <p:extLst>
       <p:ext uri="{BB962C8B-B14F-4D97-AF65-F5344CB8AC3E}">
-        <p14:creationId xmlns:p14="http://schemas.microsoft.com/office/powerpoint/2010/main" val="3884446207"/>
+        <p14:creationId xmlns:p14="http://schemas.microsoft.com/office/powerpoint/2010/main" val="3704410569"/>
       </p:ext>
     </p:extLst>
   </p:cSld>
@@ -2443,8 +2450,8 @@
         </p:nvSpPr>
         <p:spPr>
           <a:xfrm>
-            <a:off x="628650" y="365126"/>
-            <a:ext cx="7886700" cy="1325563"/>
+            <a:off x="838200" y="365125"/>
+            <a:ext cx="10515600" cy="1325563"/>
           </a:xfrm>
           <a:prstGeom prst="rect">
             <a:avLst/>
@@ -2476,8 +2483,8 @@
         </p:nvSpPr>
         <p:spPr>
           <a:xfrm>
-            <a:off x="628650" y="1825625"/>
-            <a:ext cx="7886700" cy="4351338"/>
+            <a:off x="838200" y="1825625"/>
+            <a:ext cx="10515600" cy="4351338"/>
           </a:xfrm>
           <a:prstGeom prst="rect">
             <a:avLst/>
@@ -2538,8 +2545,8 @@
         </p:nvSpPr>
         <p:spPr>
           <a:xfrm>
-            <a:off x="628650" y="6356351"/>
-            <a:ext cx="2057400" cy="365125"/>
+            <a:off x="838200" y="6356350"/>
+            <a:ext cx="2743200" cy="365125"/>
           </a:xfrm>
           <a:prstGeom prst="rect">
             <a:avLst/>
@@ -2561,7 +2568,7 @@
           <a:p>
             <a:fld id="{C9B133F5-F4E8-D144-B330-D5C3F0F8F85E}" type="datetimeFigureOut">
               <a:rPr kumimoji="1" lang="zh-CN" altLang="en-US" smtClean="0"/>
-              <a:t>2019/6/4</a:t>
+              <a:t>2019/6/9</a:t>
             </a:fld>
             <a:endParaRPr kumimoji="1" lang="zh-CN" altLang="en-US"/>
           </a:p>
@@ -2579,8 +2586,8 @@
         </p:nvSpPr>
         <p:spPr>
           <a:xfrm>
-            <a:off x="3028950" y="6356351"/>
-            <a:ext cx="3086100" cy="365125"/>
+            <a:off x="4038600" y="6356350"/>
+            <a:ext cx="4114800" cy="365125"/>
           </a:xfrm>
           <a:prstGeom prst="rect">
             <a:avLst/>
@@ -2616,8 +2623,8 @@
         </p:nvSpPr>
         <p:spPr>
           <a:xfrm>
-            <a:off x="6457950" y="6356351"/>
-            <a:ext cx="2057400" cy="365125"/>
+            <a:off x="8610600" y="6356350"/>
+            <a:ext cx="2743200" cy="365125"/>
           </a:xfrm>
           <a:prstGeom prst="rect">
             <a:avLst/>
@@ -2648,23 +2655,23 @@
     </p:spTree>
     <p:extLst>
       <p:ext uri="{BB962C8B-B14F-4D97-AF65-F5344CB8AC3E}">
-        <p14:creationId xmlns:p14="http://schemas.microsoft.com/office/powerpoint/2010/main" val="2073558473"/>
+        <p14:creationId xmlns:p14="http://schemas.microsoft.com/office/powerpoint/2010/main" val="399497111"/>
       </p:ext>
     </p:extLst>
   </p:cSld>
   <p:clrMap bg1="lt1" tx1="dk1" bg2="lt2" tx2="dk2" accent1="accent1" accent2="accent2" accent3="accent3" accent4="accent4" accent5="accent5" accent6="accent6" hlink="hlink" folHlink="folHlink"/>
   <p:sldLayoutIdLst>
-    <p:sldLayoutId id="2147483661" r:id="rId1"/>
-    <p:sldLayoutId id="2147483662" r:id="rId2"/>
-    <p:sldLayoutId id="2147483663" r:id="rId3"/>
-    <p:sldLayoutId id="2147483664" r:id="rId4"/>
-    <p:sldLayoutId id="2147483665" r:id="rId5"/>
-    <p:sldLayoutId id="2147483666" r:id="rId6"/>
-    <p:sldLayoutId id="2147483667" r:id="rId7"/>
-    <p:sldLayoutId id="2147483668" r:id="rId8"/>
-    <p:sldLayoutId id="2147483669" r:id="rId9"/>
-    <p:sldLayoutId id="2147483670" r:id="rId10"/>
-    <p:sldLayoutId id="2147483671" r:id="rId11"/>
+    <p:sldLayoutId id="2147483673" r:id="rId1"/>
+    <p:sldLayoutId id="2147483674" r:id="rId2"/>
+    <p:sldLayoutId id="2147483675" r:id="rId3"/>
+    <p:sldLayoutId id="2147483676" r:id="rId4"/>
+    <p:sldLayoutId id="2147483677" r:id="rId5"/>
+    <p:sldLayoutId id="2147483678" r:id="rId6"/>
+    <p:sldLayoutId id="2147483679" r:id="rId7"/>
+    <p:sldLayoutId id="2147483680" r:id="rId8"/>
+    <p:sldLayoutId id="2147483681" r:id="rId9"/>
+    <p:sldLayoutId id="2147483682" r:id="rId10"/>
+    <p:sldLayoutId id="2147483683" r:id="rId11"/>
   </p:sldLayoutIdLst>
   <p:txStyles>
     <p:titleStyle>
@@ -2982,7 +2989,7 @@
         </p:nvCxnSpPr>
         <p:spPr>
           <a:xfrm flipH="1">
-            <a:off x="1034144" y="1632857"/>
+            <a:off x="696687" y="1513114"/>
             <a:ext cx="587828" cy="500742"/>
           </a:xfrm>
           <a:prstGeom prst="straightConnector1">
@@ -3026,7 +3033,7 @@
         </p:nvCxnSpPr>
         <p:spPr>
           <a:xfrm>
-            <a:off x="1621972" y="1632857"/>
+            <a:off x="1284516" y="1513114"/>
             <a:ext cx="1012371" cy="0"/>
           </a:xfrm>
           <a:prstGeom prst="straightConnector1">
@@ -3070,7 +3077,7 @@
         </p:nvCxnSpPr>
         <p:spPr>
           <a:xfrm flipV="1">
-            <a:off x="1621972" y="653143"/>
+            <a:off x="1284515" y="533400"/>
             <a:ext cx="0" cy="979714"/>
           </a:xfrm>
           <a:prstGeom prst="straightConnector1">
@@ -3114,7 +3121,7 @@
         </p:nvCxnSpPr>
         <p:spPr>
           <a:xfrm flipV="1">
-            <a:off x="1621971" y="1317172"/>
+            <a:off x="1284514" y="1197429"/>
             <a:ext cx="544286" cy="315686"/>
           </a:xfrm>
           <a:prstGeom prst="straightConnector1">
@@ -3156,7 +3163,7 @@
         </p:nvSpPr>
         <p:spPr>
           <a:xfrm>
-            <a:off x="1621971" y="1491343"/>
+            <a:off x="1284515" y="1371600"/>
             <a:ext cx="87477" cy="87086"/>
           </a:xfrm>
           <a:custGeom>
@@ -3241,7 +3248,7 @@
         </p:nvCxnSpPr>
         <p:spPr>
           <a:xfrm>
-            <a:off x="2166257" y="1317172"/>
+            <a:off x="1828800" y="1197429"/>
             <a:ext cx="0" cy="566056"/>
           </a:xfrm>
           <a:prstGeom prst="line">
@@ -3285,7 +3292,7 @@
         </p:nvCxnSpPr>
         <p:spPr>
           <a:xfrm>
-            <a:off x="1621971" y="1632856"/>
+            <a:off x="1284514" y="1513113"/>
             <a:ext cx="544286" cy="250372"/>
           </a:xfrm>
           <a:prstGeom prst="line">
@@ -3327,7 +3334,7 @@
         </p:nvSpPr>
         <p:spPr>
           <a:xfrm>
-            <a:off x="1556657" y="1698171"/>
+            <a:off x="1219200" y="1578428"/>
             <a:ext cx="141514" cy="43764"/>
           </a:xfrm>
           <a:custGeom>
@@ -3422,7 +3429,7 @@
             </p:nvSpPr>
             <p:spPr>
               <a:xfrm>
-                <a:off x="1562107" y="1209097"/>
+                <a:off x="1224651" y="1089354"/>
                 <a:ext cx="370107" cy="369332"/>
               </a:xfrm>
               <a:prstGeom prst="rect">
@@ -3436,6 +3443,7 @@
               </a:bodyPr>
               <a:lstStyle/>
               <a:p>
+                <a:pPr/>
                 <a14:m>
                   <m:oMathPara xmlns:m="http://schemas.openxmlformats.org/officeDocument/2006/math">
                     <m:oMathParaPr>
@@ -3443,7 +3451,7 @@
                     </m:oMathParaPr>
                     <m:oMath xmlns:m="http://schemas.openxmlformats.org/officeDocument/2006/math">
                       <m:r>
-                        <a:rPr kumimoji="1" lang="zh-CN" altLang="en-US" i="1" smtClean="0">
+                        <a:rPr kumimoji="1" lang="zh-CN" altLang="en-US" i="1">
                           <a:latin typeface="Cambria Math" panose="02040503050406030204" pitchFamily="18" charset="0"/>
                         </a:rPr>
                         <m:t>𝜃</m:t>
@@ -3473,7 +3481,7 @@
             </p:nvSpPr>
             <p:spPr>
               <a:xfrm>
-                <a:off x="1562107" y="1209097"/>
+                <a:off x="1224651" y="1089354"/>
                 <a:ext cx="370107" cy="369332"/>
               </a:xfrm>
               <a:prstGeom prst="rect">
@@ -3517,7 +3525,7 @@
             </p:nvSpPr>
             <p:spPr>
               <a:xfrm>
-                <a:off x="1932214" y="1024430"/>
+                <a:off x="1594758" y="904687"/>
                 <a:ext cx="370107" cy="369332"/>
               </a:xfrm>
               <a:prstGeom prst="rect">
@@ -3531,6 +3539,7 @@
               </a:bodyPr>
               <a:lstStyle/>
               <a:p>
+                <a:pPr/>
                 <a14:m>
                   <m:oMathPara xmlns:m="http://schemas.openxmlformats.org/officeDocument/2006/math">
                     <m:oMathParaPr>
@@ -3538,7 +3547,7 @@
                     </m:oMathParaPr>
                     <m:oMath xmlns:m="http://schemas.openxmlformats.org/officeDocument/2006/math">
                       <m:r>
-                        <a:rPr kumimoji="1" lang="en-US" altLang="zh-CN" b="0" i="1" smtClean="0">
+                        <a:rPr kumimoji="1" lang="en-US" altLang="zh-CN" i="1">
                           <a:latin typeface="Cambria Math" panose="02040503050406030204" pitchFamily="18" charset="0"/>
                         </a:rPr>
                         <m:t>𝑟</m:t>
@@ -3568,7 +3577,7 @@
             </p:nvSpPr>
             <p:spPr>
               <a:xfrm>
-                <a:off x="1932214" y="1024430"/>
+                <a:off x="1594758" y="904687"/>
                 <a:ext cx="370107" cy="369332"/>
               </a:xfrm>
               <a:prstGeom prst="rect">
@@ -3612,7 +3621,7 @@
             </p:nvSpPr>
             <p:spPr>
               <a:xfrm>
-                <a:off x="1475018" y="1709728"/>
+                <a:off x="1137562" y="1589985"/>
                 <a:ext cx="370107" cy="369332"/>
               </a:xfrm>
               <a:prstGeom prst="rect">
@@ -3626,6 +3635,7 @@
               </a:bodyPr>
               <a:lstStyle/>
               <a:p>
+                <a:pPr/>
                 <a14:m>
                   <m:oMathPara xmlns:m="http://schemas.openxmlformats.org/officeDocument/2006/math">
                     <m:oMathParaPr>
@@ -3633,7 +3643,7 @@
                     </m:oMathParaPr>
                     <m:oMath xmlns:m="http://schemas.openxmlformats.org/officeDocument/2006/math">
                       <m:r>
-                        <a:rPr kumimoji="1" lang="zh-CN" altLang="en-US" i="1" smtClean="0">
+                        <a:rPr kumimoji="1" lang="zh-CN" altLang="en-US" i="1">
                           <a:latin typeface="Cambria Math" panose="02040503050406030204" pitchFamily="18" charset="0"/>
                         </a:rPr>
                         <m:t>𝜑</m:t>
@@ -3663,7 +3673,7 @@
             </p:nvSpPr>
             <p:spPr>
               <a:xfrm>
-                <a:off x="1475018" y="1709728"/>
+                <a:off x="1137562" y="1589985"/>
                 <a:ext cx="370107" cy="369332"/>
               </a:xfrm>
               <a:prstGeom prst="rect">
@@ -3707,7 +3717,7 @@
             </p:nvSpPr>
             <p:spPr>
               <a:xfrm>
-                <a:off x="849089" y="2089164"/>
+                <a:off x="511633" y="1969421"/>
                 <a:ext cx="370107" cy="369332"/>
               </a:xfrm>
               <a:prstGeom prst="rect">
@@ -3721,6 +3731,7 @@
               </a:bodyPr>
               <a:lstStyle/>
               <a:p>
+                <a:pPr/>
                 <a14:m>
                   <m:oMathPara xmlns:m="http://schemas.openxmlformats.org/officeDocument/2006/math">
                     <m:oMathParaPr>
@@ -3728,7 +3739,7 @@
                     </m:oMathParaPr>
                     <m:oMath xmlns:m="http://schemas.openxmlformats.org/officeDocument/2006/math">
                       <m:r>
-                        <a:rPr kumimoji="1" lang="en-US" altLang="zh-CN" b="0" i="1" smtClean="0">
+                        <a:rPr kumimoji="1" lang="en-US" altLang="zh-CN" i="1">
                           <a:latin typeface="Cambria Math" panose="02040503050406030204" pitchFamily="18" charset="0"/>
                         </a:rPr>
                         <m:t>𝑥</m:t>
@@ -3758,7 +3769,7 @@
             </p:nvSpPr>
             <p:spPr>
               <a:xfrm>
-                <a:off x="849089" y="2089164"/>
+                <a:off x="511633" y="1969421"/>
                 <a:ext cx="370107" cy="369332"/>
               </a:xfrm>
               <a:prstGeom prst="rect">
@@ -3802,7 +3813,7 @@
             </p:nvSpPr>
             <p:spPr>
               <a:xfrm>
-                <a:off x="2585361" y="1480457"/>
+                <a:off x="2247905" y="1360714"/>
                 <a:ext cx="370107" cy="369332"/>
               </a:xfrm>
               <a:prstGeom prst="rect">
@@ -3816,6 +3827,7 @@
               </a:bodyPr>
               <a:lstStyle/>
               <a:p>
+                <a:pPr/>
                 <a14:m>
                   <m:oMathPara xmlns:m="http://schemas.openxmlformats.org/officeDocument/2006/math">
                     <m:oMathParaPr>
@@ -3823,7 +3835,7 @@
                     </m:oMathParaPr>
                     <m:oMath xmlns:m="http://schemas.openxmlformats.org/officeDocument/2006/math">
                       <m:r>
-                        <a:rPr kumimoji="1" lang="en-US" altLang="zh-CN" b="0" i="1" smtClean="0">
+                        <a:rPr kumimoji="1" lang="en-US" altLang="zh-CN" i="1">
                           <a:latin typeface="Cambria Math" panose="02040503050406030204" pitchFamily="18" charset="0"/>
                         </a:rPr>
                         <m:t>𝑦</m:t>
@@ -3853,7 +3865,7 @@
             </p:nvSpPr>
             <p:spPr>
               <a:xfrm>
-                <a:off x="2585361" y="1480457"/>
+                <a:off x="2247905" y="1360714"/>
                 <a:ext cx="370107" cy="369332"/>
               </a:xfrm>
               <a:prstGeom prst="rect">
@@ -3862,7 +3874,7 @@
               <a:blipFill>
                 <a:blip r:embed="rId6"/>
                 <a:stretch>
-                  <a:fillRect b="-3333"/>
+                  <a:fillRect b="-6667"/>
                 </a:stretch>
               </a:blipFill>
             </p:spPr>
@@ -3897,7 +3909,7 @@
             </p:nvSpPr>
             <p:spPr>
               <a:xfrm>
-                <a:off x="1436917" y="327184"/>
+                <a:off x="1099461" y="207441"/>
                 <a:ext cx="370107" cy="369332"/>
               </a:xfrm>
               <a:prstGeom prst="rect">
@@ -3911,6 +3923,7 @@
               </a:bodyPr>
               <a:lstStyle/>
               <a:p>
+                <a:pPr/>
                 <a14:m>
                   <m:oMathPara xmlns:m="http://schemas.openxmlformats.org/officeDocument/2006/math">
                     <m:oMathParaPr>
@@ -3918,7 +3931,7 @@
                     </m:oMathParaPr>
                     <m:oMath xmlns:m="http://schemas.openxmlformats.org/officeDocument/2006/math">
                       <m:r>
-                        <a:rPr kumimoji="1" lang="en-US" altLang="zh-CN" b="0" i="1" smtClean="0">
+                        <a:rPr kumimoji="1" lang="en-US" altLang="zh-CN" i="1">
                           <a:latin typeface="Cambria Math" panose="02040503050406030204" pitchFamily="18" charset="0"/>
                         </a:rPr>
                         <m:t>𝑧</m:t>
@@ -3948,7 +3961,7 @@
             </p:nvSpPr>
             <p:spPr>
               <a:xfrm>
-                <a:off x="1436917" y="327184"/>
+                <a:off x="1099461" y="207441"/>
                 <a:ext cx="370107" cy="369332"/>
               </a:xfrm>
               <a:prstGeom prst="rect">
